--- a/10%/New after comments.pptx
+++ b/10%/New after comments.pptx
@@ -30801,6 +30801,68 @@
           </a:prstGeom>
         </p:spPr>
       </p:pic>
+      <p:sp>
+        <p:nvSpPr>
+          <p:cNvPr id="35" name="Title 1">
+            <a:extLst>
+              <a:ext uri="{FF2B5EF4-FFF2-40B4-BE49-F238E27FC236}">
+                <a16:creationId xmlns:a16="http://schemas.microsoft.com/office/drawing/2014/main" id="{403A514F-44A1-4957-8A0E-E350A780CA5C}"/>
+              </a:ext>
+            </a:extLst>
+          </p:cNvPr>
+          <p:cNvSpPr txBox="1">
+            <a:spLocks/>
+          </p:cNvSpPr>
+          <p:nvPr/>
+        </p:nvSpPr>
+        <p:spPr>
+          <a:xfrm>
+            <a:off x="546735" y="310762"/>
+            <a:ext cx="4673143" cy="426168"/>
+          </a:xfrm>
+          <a:prstGeom prst="rect">
+            <a:avLst/>
+          </a:prstGeom>
+        </p:spPr>
+        <p:txBody>
+          <a:bodyPr anchor="t">
+            <a:normAutofit fontScale="92500" lnSpcReduction="20000"/>
+          </a:bodyPr>
+          <a:lstStyle>
+            <a:lvl1pPr algn="ctr" defTabSz="685800" rtl="0" eaLnBrk="1" latinLnBrk="0" hangingPunct="1">
+              <a:lnSpc>
+                <a:spcPct val="85000"/>
+              </a:lnSpc>
+              <a:spcBef>
+                <a:spcPct val="0"/>
+              </a:spcBef>
+              <a:buNone/>
+              <a:defRPr sz="3200" b="0" i="0" kern="1200" cap="none" spc="-113">
+                <a:solidFill>
+                  <a:schemeClr val="tx1"/>
+                </a:solidFill>
+                <a:effectLst/>
+                <a:latin typeface="+mj-lt"/>
+                <a:ea typeface="+mj-ea"/>
+                <a:cs typeface="+mj-cs"/>
+              </a:defRPr>
+            </a:lvl1pPr>
+          </a:lstStyle>
+          <a:p>
+            <a:pPr algn="l"/>
+            <a:r>
+              <a:rPr lang="en-US" sz="3100" b="1" dirty="0">
+                <a:solidFill>
+                  <a:schemeClr val="accent1"/>
+                </a:solidFill>
+                <a:latin typeface="Times New Roman" panose="02020603050405020304" pitchFamily="18" charset="0"/>
+                <a:cs typeface="Times New Roman" panose="02020603050405020304" pitchFamily="18" charset="0"/>
+              </a:rPr>
+              <a:t>Consent Documents</a:t>
+            </a:r>
+          </a:p>
+        </p:txBody>
+      </p:sp>
     </p:spTree>
     <p:extLst>
       <p:ext uri="{BB962C8B-B14F-4D97-AF65-F5344CB8AC3E}">
@@ -32626,36 +32688,28 @@
             <a:pPr lvl="1"/>
             <a:r>
               <a:rPr lang="en-US" dirty="0"/>
-              <a:t>Premium: Point of sale + app</a:t>
+              <a:t>Premium: Point of sale + Inventory + Mobile App</a:t>
             </a:r>
           </a:p>
           <a:p>
             <a:pPr lvl="1"/>
             <a:r>
               <a:rPr lang="en-US" dirty="0"/>
-              <a:t>Gold: Point of sale + App + E-com </a:t>
-            </a:r>
-          </a:p>
-          <a:p>
-            <a:pPr lvl="1"/>
-            <a:endParaRPr lang="en-US" dirty="0"/>
-          </a:p>
-          <a:p>
-            <a:pPr lvl="1"/>
-            <a:r>
-              <a:rPr lang="en-US" dirty="0"/>
-              <a:t>We will provide our services in these 3 categories and every package will have a different cost.</a:t>
+              <a:t>Gold: Point of sale + Inventory +Mobile App + Online Order Placing </a:t>
             </a:r>
           </a:p>
           <a:p>
             <a:pPr lvl="1"/>
             <a:r>
               <a:rPr lang="en-US" dirty="0"/>
-              <a:t>Per month </a:t>
+              <a:t>We will provide our services in these 3 categories and every package will have a different cost. </a:t>
             </a:r>
+          </a:p>
+          <a:p>
+            <a:pPr lvl="1"/>
             <a:r>
-              <a:rPr lang="en-US"/>
-              <a:t>billing system.</a:t>
+              <a:rPr lang="en-US" dirty="0"/>
+              <a:t>Per month billing system (Cost is not decided yet).</a:t>
             </a:r>
             <a:endParaRPr lang="en-PK" dirty="0"/>
           </a:p>
@@ -34325,6 +34379,8 @@
                 <a:solidFill>
                   <a:schemeClr val="tx1"/>
                 </a:solidFill>
+                <a:latin typeface="Times New Roman" panose="02020603050405020304" pitchFamily="18" charset="0"/>
+                <a:cs typeface="Times New Roman" panose="02020603050405020304" pitchFamily="18" charset="0"/>
               </a:rPr>
               <a:t>USERS</a:t>
             </a:r>
@@ -34332,6 +34388,8 @@
               <a:solidFill>
                 <a:schemeClr val="tx1"/>
               </a:solidFill>
+              <a:latin typeface="Times New Roman" panose="02020603050405020304" pitchFamily="18" charset="0"/>
+              <a:cs typeface="Times New Roman" panose="02020603050405020304" pitchFamily="18" charset="0"/>
             </a:endParaRPr>
           </a:p>
         </p:txBody>
@@ -43043,7 +43101,7 @@
                 <a:latin typeface="Times New Roman" panose="02020603050405020304" pitchFamily="18" charset="0"/>
                 <a:cs typeface="Times New Roman" panose="02020603050405020304" pitchFamily="18" charset="0"/>
               </a:rPr>
-              <a:t>To develop an interactive Website and App</a:t>
+              <a:t>Digitalizing, the traditional paper operation</a:t>
             </a:r>
           </a:p>
           <a:p>
@@ -43053,7 +43111,30 @@
                 <a:latin typeface="Times New Roman" panose="02020603050405020304" pitchFamily="18" charset="0"/>
                 <a:cs typeface="Times New Roman" panose="02020603050405020304" pitchFamily="18" charset="0"/>
               </a:rPr>
-              <a:t>It will allow both companies and retailers to manage their stock </a:t>
+              <a:t>Develop an interactive Website and Mobile App</a:t>
+            </a:r>
+          </a:p>
+          <a:p>
+            <a:pPr algn="just"/>
+            <a:r>
+              <a:rPr lang="en-US" sz="1400" dirty="0">
+                <a:latin typeface="Times New Roman" panose="02020603050405020304" pitchFamily="18" charset="0"/>
+                <a:cs typeface="Times New Roman" panose="02020603050405020304" pitchFamily="18" charset="0"/>
+              </a:rPr>
+              <a:t>Will allow both Pharmaceutical Companies Distributor and </a:t>
+            </a:r>
+            <a:br>
+              <a:rPr lang="en-US" sz="1400" dirty="0">
+                <a:latin typeface="Times New Roman" panose="02020603050405020304" pitchFamily="18" charset="0"/>
+                <a:cs typeface="Times New Roman" panose="02020603050405020304" pitchFamily="18" charset="0"/>
+              </a:rPr>
+            </a:br>
+            <a:r>
+              <a:rPr lang="en-US" sz="1400" dirty="0">
+                <a:latin typeface="Times New Roman" panose="02020603050405020304" pitchFamily="18" charset="0"/>
+                <a:cs typeface="Times New Roman" panose="02020603050405020304" pitchFamily="18" charset="0"/>
+              </a:rPr>
+              <a:t>Retailers to manage their stocks.</a:t>
             </a:r>
           </a:p>
           <a:p>
@@ -43073,7 +43154,7 @@
                 <a:latin typeface="Times New Roman" panose="02020603050405020304" pitchFamily="18" charset="0"/>
                 <a:cs typeface="Times New Roman" panose="02020603050405020304" pitchFamily="18" charset="0"/>
               </a:rPr>
-              <a:t>It will make it easier for them to keep track of their inventory and will maintain the data of their buying and selling. </a:t>
+              <a:t>It will, make it easier for them to keep track of their inventory and maintain the data of their buying and selling. </a:t>
             </a:r>
           </a:p>
           <a:p>
@@ -43085,22 +43166,6 @@
               </a:rPr>
               <a:t>Reduce the chances of buying fake medicines </a:t>
             </a:r>
-          </a:p>
-          <a:p>
-            <a:pPr algn="just"/>
-            <a:r>
-              <a:rPr lang="en-US" sz="1400" dirty="0">
-                <a:latin typeface="Times New Roman" panose="02020603050405020304" pitchFamily="18" charset="0"/>
-                <a:cs typeface="Times New Roman" panose="02020603050405020304" pitchFamily="18" charset="0"/>
-              </a:rPr>
-              <a:t>All this method is all on paper we are digitalizing this all.</a:t>
-            </a:r>
-          </a:p>
-          <a:p>
-            <a:endParaRPr lang="en-US" sz="1400" i="1" dirty="0">
-              <a:latin typeface="Times New Roman" panose="02020603050405020304" pitchFamily="18" charset="0"/>
-              <a:cs typeface="Times New Roman" panose="02020603050405020304" pitchFamily="18" charset="0"/>
-            </a:endParaRPr>
           </a:p>
         </p:txBody>
       </p:sp>
@@ -44901,7 +44966,7 @@
                 <a:latin typeface="Times New Roman" panose="02020603050405020304" pitchFamily="18" charset="0"/>
                 <a:cs typeface="Times New Roman" panose="02020603050405020304" pitchFamily="18" charset="0"/>
               </a:rPr>
-              <a:t>The Medical Store Distributor Consumer Network (MSDCN) is a medicine stock inventory system which will be used in Medical store and Pharmaceutical companies. This website will store details of medicine purchase and selling. The system will maintain purchases and selling detail w.r.t retailer and company. The system will consist of automatic billing and reporting module. Furthermore, the website will also help the shopkeeper to automatically place the order if the stock is short from the shop.</a:t>
+              <a:t>The Medical Store Distributor Consumer Network (MSDCN) is a medicine stock inventory system which will be used in Medical store and Pharmaceutical Companies Distributor. This website will store details of medicine purchase and selling. The system will maintain purchases and selling detail w.r.t retailer and Company Distributor. The system will consist of automatic billing and reporting module. Furthermore, the website will also help the shopkeeper by displaying reminder message if there is shortage in stocks and can also place online order. </a:t>
             </a:r>
             <a:endParaRPr lang="en-US" sz="1400" b="1" dirty="0">
               <a:latin typeface="Times New Roman" panose="02020603050405020304" pitchFamily="18" charset="0"/>
@@ -46697,7 +46762,7 @@
         </p:spPr>
         <p:txBody>
           <a:bodyPr anchor="t">
-            <a:normAutofit lnSpcReduction="10000"/>
+            <a:normAutofit fontScale="92500"/>
           </a:bodyPr>
           <a:lstStyle/>
           <a:p>
@@ -46717,7 +46782,7 @@
                 <a:latin typeface="Times New Roman" panose="02020603050405020304" pitchFamily="18" charset="0"/>
                 <a:cs typeface="Times New Roman" panose="02020603050405020304" pitchFamily="18" charset="0"/>
               </a:rPr>
-              <a:t>The problem with current medicine market is that all the communication, transactions, order placing, and order delivery is based on paperwork and wire transfers which results in delays and no monitoring. </a:t>
+              <a:t>The problem with current medicine market is that all the communication, transactions, order placing, and order delivery, are done by paperwork and wire transfers which results in delays and no monitoring. </a:t>
             </a:r>
           </a:p>
           <a:p>
@@ -46737,7 +46802,7 @@
                 <a:latin typeface="Times New Roman" panose="02020603050405020304" pitchFamily="18" charset="0"/>
                 <a:cs typeface="Times New Roman" panose="02020603050405020304" pitchFamily="18" charset="0"/>
               </a:rPr>
-              <a:t>Our system will provide online platform for both Medical Stores and Pharmaceutical Companies. </a:t>
+              <a:t>Our system will provide online platform for both Medical Stores and Pharmaceutical Companies Distributor to work in harmony. </a:t>
             </a:r>
           </a:p>
           <a:p>
@@ -51400,7 +51465,7 @@
         </p:spPr>
         <p:txBody>
           <a:bodyPr>
-            <a:normAutofit fontScale="92500" lnSpcReduction="10000"/>
+            <a:normAutofit fontScale="92500" lnSpcReduction="20000"/>
           </a:bodyPr>
           <a:lstStyle/>
           <a:p>
@@ -51528,6 +51593,16 @@
           </a:p>
           <a:p>
             <a:pPr lvl="4"/>
+            <a:r>
+              <a:rPr lang="en-US" dirty="0">
+                <a:latin typeface="Times New Roman" panose="02020603050405020304" pitchFamily="18" charset="0"/>
+                <a:cs typeface="Times New Roman" panose="02020603050405020304" pitchFamily="18" charset="0"/>
+              </a:rPr>
+              <a:t>https://stripe.com/docs/api/cards</a:t>
+            </a:r>
+          </a:p>
+          <a:p>
+            <a:pPr lvl="4"/>
             <a:endParaRPr lang="en-US" dirty="0">
               <a:latin typeface="Times New Roman" panose="02020603050405020304" pitchFamily="18" charset="0"/>
               <a:cs typeface="Times New Roman" panose="02020603050405020304" pitchFamily="18" charset="0"/>
@@ -51557,7 +51632,7 @@
           <p:nvPr/>
         </p:nvPicPr>
         <p:blipFill>
-          <a:blip r:embed="rId7">
+          <a:blip r:embed="rId7" cstate="print">
             <a:extLst>
               <a:ext uri="{28A0092B-C50C-407E-A947-70E740481C1C}">
                 <a14:useLocalDpi xmlns:a14="http://schemas.microsoft.com/office/drawing/2010/main" val="0"/>
